--- a/images/gen.pptx
+++ b/images/gen.pptx
@@ -7,6 +7,8 @@
   <p:sldIdLst>
     <p:sldId id="256" r:id="rId2"/>
     <p:sldId id="257" r:id="rId3"/>
+    <p:sldId id="258" r:id="rId4"/>
+    <p:sldId id="259" r:id="rId5"/>
   </p:sldIdLst>
   <p:sldSz cx="12192000" cy="6858000"/>
   <p:notesSz cx="6858000" cy="9144000"/>
@@ -260,7 +262,7 @@
           <a:p>
             <a:fld id="{07CE0DD0-8E91-4C10-8493-638BB059883F}" type="datetimeFigureOut">
               <a:rPr lang="en-US" smtClean="0"/>
-              <a:t>4/4/2021</a:t>
+              <a:t>4/25/2021</a:t>
             </a:fld>
             <a:endParaRPr lang="en-US"/>
           </a:p>
@@ -458,7 +460,7 @@
           <a:p>
             <a:fld id="{07CE0DD0-8E91-4C10-8493-638BB059883F}" type="datetimeFigureOut">
               <a:rPr lang="en-US" smtClean="0"/>
-              <a:t>4/4/2021</a:t>
+              <a:t>4/25/2021</a:t>
             </a:fld>
             <a:endParaRPr lang="en-US"/>
           </a:p>
@@ -666,7 +668,7 @@
           <a:p>
             <a:fld id="{07CE0DD0-8E91-4C10-8493-638BB059883F}" type="datetimeFigureOut">
               <a:rPr lang="en-US" smtClean="0"/>
-              <a:t>4/4/2021</a:t>
+              <a:t>4/25/2021</a:t>
             </a:fld>
             <a:endParaRPr lang="en-US"/>
           </a:p>
@@ -864,7 +866,7 @@
           <a:p>
             <a:fld id="{07CE0DD0-8E91-4C10-8493-638BB059883F}" type="datetimeFigureOut">
               <a:rPr lang="en-US" smtClean="0"/>
-              <a:t>4/4/2021</a:t>
+              <a:t>4/25/2021</a:t>
             </a:fld>
             <a:endParaRPr lang="en-US"/>
           </a:p>
@@ -1139,7 +1141,7 @@
           <a:p>
             <a:fld id="{07CE0DD0-8E91-4C10-8493-638BB059883F}" type="datetimeFigureOut">
               <a:rPr lang="en-US" smtClean="0"/>
-              <a:t>4/4/2021</a:t>
+              <a:t>4/25/2021</a:t>
             </a:fld>
             <a:endParaRPr lang="en-US"/>
           </a:p>
@@ -1404,7 +1406,7 @@
           <a:p>
             <a:fld id="{07CE0DD0-8E91-4C10-8493-638BB059883F}" type="datetimeFigureOut">
               <a:rPr lang="en-US" smtClean="0"/>
-              <a:t>4/4/2021</a:t>
+              <a:t>4/25/2021</a:t>
             </a:fld>
             <a:endParaRPr lang="en-US"/>
           </a:p>
@@ -1816,7 +1818,7 @@
           <a:p>
             <a:fld id="{07CE0DD0-8E91-4C10-8493-638BB059883F}" type="datetimeFigureOut">
               <a:rPr lang="en-US" smtClean="0"/>
-              <a:t>4/4/2021</a:t>
+              <a:t>4/25/2021</a:t>
             </a:fld>
             <a:endParaRPr lang="en-US"/>
           </a:p>
@@ -1957,7 +1959,7 @@
           <a:p>
             <a:fld id="{07CE0DD0-8E91-4C10-8493-638BB059883F}" type="datetimeFigureOut">
               <a:rPr lang="en-US" smtClean="0"/>
-              <a:t>4/4/2021</a:t>
+              <a:t>4/25/2021</a:t>
             </a:fld>
             <a:endParaRPr lang="en-US"/>
           </a:p>
@@ -2070,7 +2072,7 @@
           <a:p>
             <a:fld id="{07CE0DD0-8E91-4C10-8493-638BB059883F}" type="datetimeFigureOut">
               <a:rPr lang="en-US" smtClean="0"/>
-              <a:t>4/4/2021</a:t>
+              <a:t>4/25/2021</a:t>
             </a:fld>
             <a:endParaRPr lang="en-US"/>
           </a:p>
@@ -2381,7 +2383,7 @@
           <a:p>
             <a:fld id="{07CE0DD0-8E91-4C10-8493-638BB059883F}" type="datetimeFigureOut">
               <a:rPr lang="en-US" smtClean="0"/>
-              <a:t>4/4/2021</a:t>
+              <a:t>4/25/2021</a:t>
             </a:fld>
             <a:endParaRPr lang="en-US"/>
           </a:p>
@@ -2669,7 +2671,7 @@
           <a:p>
             <a:fld id="{07CE0DD0-8E91-4C10-8493-638BB059883F}" type="datetimeFigureOut">
               <a:rPr lang="en-US" smtClean="0"/>
-              <a:t>4/4/2021</a:t>
+              <a:t>4/25/2021</a:t>
             </a:fld>
             <a:endParaRPr lang="en-US"/>
           </a:p>
@@ -2910,7 +2912,7 @@
           <a:p>
             <a:fld id="{07CE0DD0-8E91-4C10-8493-638BB059883F}" type="datetimeFigureOut">
               <a:rPr lang="en-US" smtClean="0"/>
-              <a:t>4/4/2021</a:t>
+              <a:t>4/25/2021</a:t>
             </a:fld>
             <a:endParaRPr lang="en-US"/>
           </a:p>
@@ -3525,6 +3527,273 @@
 </p:sld>
 </file>
 
+<file path=ppt/slides/slide3.xml><?xml version="1.0" encoding="utf-8"?>
+<p:sld xmlns:a="http://schemas.openxmlformats.org/drawingml/2006/main" xmlns:r="http://schemas.openxmlformats.org/officeDocument/2006/relationships" xmlns:p="http://schemas.openxmlformats.org/presentationml/2006/main">
+  <p:cSld>
+    <p:spTree>
+      <p:nvGrpSpPr>
+        <p:cNvPr id="1" name=""/>
+        <p:cNvGrpSpPr/>
+        <p:nvPr/>
+      </p:nvGrpSpPr>
+      <p:grpSpPr>
+        <a:xfrm>
+          <a:off x="0" y="0"/>
+          <a:ext cx="0" cy="0"/>
+          <a:chOff x="0" y="0"/>
+          <a:chExt cx="0" cy="0"/>
+        </a:xfrm>
+      </p:grpSpPr>
+      <p:grpSp>
+        <p:nvGrpSpPr>
+          <p:cNvPr id="8" name="Group 7">
+            <a:extLst>
+              <a:ext uri="{FF2B5EF4-FFF2-40B4-BE49-F238E27FC236}">
+                <a16:creationId xmlns:a16="http://schemas.microsoft.com/office/drawing/2014/main" id="{886349A2-BDD3-4FA5-879E-E9A144533003}"/>
+              </a:ext>
+            </a:extLst>
+          </p:cNvPr>
+          <p:cNvGrpSpPr/>
+          <p:nvPr/>
+        </p:nvGrpSpPr>
+        <p:grpSpPr>
+          <a:xfrm>
+            <a:off x="6746571" y="909305"/>
+            <a:ext cx="4253086" cy="4656930"/>
+            <a:chOff x="6818271" y="1100535"/>
+            <a:chExt cx="4253086" cy="4656930"/>
+          </a:xfrm>
+        </p:grpSpPr>
+        <p:pic>
+          <p:nvPicPr>
+            <p:cNvPr id="3" name="Picture 2">
+              <a:extLst>
+                <a:ext uri="{FF2B5EF4-FFF2-40B4-BE49-F238E27FC236}">
+                  <a16:creationId xmlns:a16="http://schemas.microsoft.com/office/drawing/2014/main" id="{E6C2C562-30E4-469A-9578-CE15629E6FDB}"/>
+                </a:ext>
+              </a:extLst>
+            </p:cNvPr>
+            <p:cNvPicPr>
+              <a:picLocks noChangeAspect="1"/>
+            </p:cNvPicPr>
+            <p:nvPr/>
+          </p:nvPicPr>
+          <p:blipFill>
+            <a:blip r:embed="rId2">
+              <a:extLst>
+                <a:ext uri="{28A0092B-C50C-407E-A947-70E740481C1C}">
+                  <a14:useLocalDpi xmlns:a14="http://schemas.microsoft.com/office/drawing/2010/main" val="0"/>
+                </a:ext>
+              </a:extLst>
+            </a:blip>
+            <a:stretch>
+              <a:fillRect/>
+            </a:stretch>
+          </p:blipFill>
+          <p:spPr>
+            <a:xfrm>
+              <a:off x="6818271" y="1100535"/>
+              <a:ext cx="4253086" cy="4279751"/>
+            </a:xfrm>
+            <a:prstGeom prst="rect">
+              <a:avLst/>
+            </a:prstGeom>
+          </p:spPr>
+        </p:pic>
+        <p:pic>
+          <p:nvPicPr>
+            <p:cNvPr id="5" name="Picture 4">
+              <a:extLst>
+                <a:ext uri="{FF2B5EF4-FFF2-40B4-BE49-F238E27FC236}">
+                  <a16:creationId xmlns:a16="http://schemas.microsoft.com/office/drawing/2014/main" id="{46B11A21-EEF0-412B-8005-1BD053DC2A17}"/>
+                </a:ext>
+              </a:extLst>
+            </p:cNvPr>
+            <p:cNvPicPr>
+              <a:picLocks noChangeAspect="1"/>
+            </p:cNvPicPr>
+            <p:nvPr/>
+          </p:nvPicPr>
+          <p:blipFill rotWithShape="1">
+            <a:blip r:embed="rId2">
+              <a:extLst>
+                <a:ext uri="{28A0092B-C50C-407E-A947-70E740481C1C}">
+                  <a14:useLocalDpi xmlns:a14="http://schemas.microsoft.com/office/drawing/2010/main" val="0"/>
+                </a:ext>
+              </a:extLst>
+            </a:blip>
+            <a:srcRect t="89251"/>
+            <a:stretch/>
+          </p:blipFill>
+          <p:spPr>
+            <a:xfrm>
+              <a:off x="6818271" y="5297435"/>
+              <a:ext cx="4253086" cy="460030"/>
+            </a:xfrm>
+            <a:prstGeom prst="rect">
+              <a:avLst/>
+            </a:prstGeom>
+          </p:spPr>
+        </p:pic>
+        <p:sp>
+          <p:nvSpPr>
+            <p:cNvPr id="4" name="Rectangle 3">
+              <a:extLst>
+                <a:ext uri="{FF2B5EF4-FFF2-40B4-BE49-F238E27FC236}">
+                  <a16:creationId xmlns:a16="http://schemas.microsoft.com/office/drawing/2014/main" id="{D8B31F6A-3BE2-466B-8D0D-C13E8AF6297A}"/>
+                </a:ext>
+              </a:extLst>
+            </p:cNvPr>
+            <p:cNvSpPr/>
+            <p:nvPr/>
+          </p:nvSpPr>
+          <p:spPr>
+            <a:xfrm>
+              <a:off x="6967789" y="4942675"/>
+              <a:ext cx="4031868" cy="553998"/>
+            </a:xfrm>
+            <a:prstGeom prst="rect">
+              <a:avLst/>
+            </a:prstGeom>
+            <a:noFill/>
+          </p:spPr>
+          <p:txBody>
+            <a:bodyPr wrap="square" lIns="91440" tIns="45720" rIns="91440" bIns="45720">
+              <a:spAutoFit/>
+            </a:bodyPr>
+            <a:lstStyle/>
+            <a:p>
+              <a:pPr algn="ctr"/>
+              <a:r>
+                <a:rPr lang="en-US" sz="3000" b="0" cap="none" spc="300" dirty="0">
+                  <a:ln w="0">
+                    <a:solidFill>
+                      <a:schemeClr val="bg1">
+                        <a:lumMod val="75000"/>
+                      </a:schemeClr>
+                    </a:solidFill>
+                  </a:ln>
+                  <a:solidFill>
+                    <a:schemeClr val="bg1">
+                      <a:lumMod val="75000"/>
+                    </a:schemeClr>
+                  </a:solidFill>
+                  <a:latin typeface="EntitledJNL" panose="00000400000000000000" pitchFamily="2" charset="0"/>
+                </a:rPr>
+                <a:t>THE AS8 ORGANIZATION</a:t>
+              </a:r>
+            </a:p>
+          </p:txBody>
+        </p:sp>
+      </p:grpSp>
+      <p:pic>
+        <p:nvPicPr>
+          <p:cNvPr id="9" name="Picture 8">
+            <a:extLst>
+              <a:ext uri="{FF2B5EF4-FFF2-40B4-BE49-F238E27FC236}">
+                <a16:creationId xmlns:a16="http://schemas.microsoft.com/office/drawing/2014/main" id="{3A3907BD-A75F-47DB-86BE-96A4855E4B27}"/>
+              </a:ext>
+            </a:extLst>
+          </p:cNvPr>
+          <p:cNvPicPr>
+            <a:picLocks noChangeAspect="1"/>
+          </p:cNvPicPr>
+          <p:nvPr/>
+        </p:nvPicPr>
+        <p:blipFill rotWithShape="1">
+          <a:blip r:embed="rId3"/>
+          <a:srcRect t="3227" b="1"/>
+          <a:stretch/>
+        </p:blipFill>
+        <p:spPr>
+          <a:xfrm>
+            <a:off x="1192343" y="1064712"/>
+            <a:ext cx="4417149" cy="4501523"/>
+          </a:xfrm>
+          <a:prstGeom prst="rect">
+            <a:avLst/>
+          </a:prstGeom>
+        </p:spPr>
+      </p:pic>
+    </p:spTree>
+    <p:extLst>
+      <p:ext uri="{BB962C8B-B14F-4D97-AF65-F5344CB8AC3E}">
+        <p14:creationId xmlns:p14="http://schemas.microsoft.com/office/powerpoint/2010/main" val="1886986376"/>
+      </p:ext>
+    </p:extLst>
+  </p:cSld>
+  <p:clrMapOvr>
+    <a:masterClrMapping/>
+  </p:clrMapOvr>
+</p:sld>
+</file>
+
+<file path=ppt/slides/slide4.xml><?xml version="1.0" encoding="utf-8"?>
+<p:sld xmlns:a="http://schemas.openxmlformats.org/drawingml/2006/main" xmlns:r="http://schemas.openxmlformats.org/officeDocument/2006/relationships" xmlns:p="http://schemas.openxmlformats.org/presentationml/2006/main">
+  <p:cSld>
+    <p:spTree>
+      <p:nvGrpSpPr>
+        <p:cNvPr id="1" name=""/>
+        <p:cNvGrpSpPr/>
+        <p:nvPr/>
+      </p:nvGrpSpPr>
+      <p:grpSpPr>
+        <a:xfrm>
+          <a:off x="0" y="0"/>
+          <a:ext cx="0" cy="0"/>
+          <a:chOff x="0" y="0"/>
+          <a:chExt cx="0" cy="0"/>
+        </a:xfrm>
+      </p:grpSpPr>
+      <p:pic>
+        <p:nvPicPr>
+          <p:cNvPr id="3" name="Picture 2">
+            <a:extLst>
+              <a:ext uri="{FF2B5EF4-FFF2-40B4-BE49-F238E27FC236}">
+                <a16:creationId xmlns:a16="http://schemas.microsoft.com/office/drawing/2014/main" id="{AA768A49-646D-48F2-9194-9BE02674CD7E}"/>
+              </a:ext>
+            </a:extLst>
+          </p:cNvPr>
+          <p:cNvPicPr>
+            <a:picLocks noChangeAspect="1"/>
+          </p:cNvPicPr>
+          <p:nvPr/>
+        </p:nvPicPr>
+        <p:blipFill>
+          <a:blip r:embed="rId2">
+            <a:extLst>
+              <a:ext uri="{28A0092B-C50C-407E-A947-70E740481C1C}">
+                <a14:useLocalDpi xmlns:a14="http://schemas.microsoft.com/office/drawing/2010/main" val="0"/>
+              </a:ext>
+            </a:extLst>
+          </a:blip>
+          <a:stretch>
+            <a:fillRect/>
+          </a:stretch>
+        </p:blipFill>
+        <p:spPr>
+          <a:xfrm>
+            <a:off x="3523265" y="868458"/>
+            <a:ext cx="5145470" cy="5121084"/>
+          </a:xfrm>
+          <a:prstGeom prst="rect">
+            <a:avLst/>
+          </a:prstGeom>
+        </p:spPr>
+      </p:pic>
+    </p:spTree>
+    <p:extLst>
+      <p:ext uri="{BB962C8B-B14F-4D97-AF65-F5344CB8AC3E}">
+        <p14:creationId xmlns:p14="http://schemas.microsoft.com/office/powerpoint/2010/main" val="3642231732"/>
+      </p:ext>
+    </p:extLst>
+  </p:cSld>
+  <p:clrMapOvr>
+    <a:masterClrMapping/>
+  </p:clrMapOvr>
+</p:sld>
+</file>
+
 <file path=ppt/theme/theme1.xml><?xml version="1.0" encoding="utf-8"?>
 <a:theme xmlns:a="http://schemas.openxmlformats.org/drawingml/2006/main" name="Office Theme">
   <a:themeElements>

--- a/images/gen.pptx
+++ b/images/gen.pptx
@@ -262,7 +262,7 @@
           <a:p>
             <a:fld id="{07CE0DD0-8E91-4C10-8493-638BB059883F}" type="datetimeFigureOut">
               <a:rPr lang="en-US" smtClean="0"/>
-              <a:t>4/25/2021</a:t>
+              <a:t>5/12/2021</a:t>
             </a:fld>
             <a:endParaRPr lang="en-US"/>
           </a:p>
@@ -460,7 +460,7 @@
           <a:p>
             <a:fld id="{07CE0DD0-8E91-4C10-8493-638BB059883F}" type="datetimeFigureOut">
               <a:rPr lang="en-US" smtClean="0"/>
-              <a:t>4/25/2021</a:t>
+              <a:t>5/12/2021</a:t>
             </a:fld>
             <a:endParaRPr lang="en-US"/>
           </a:p>
@@ -668,7 +668,7 @@
           <a:p>
             <a:fld id="{07CE0DD0-8E91-4C10-8493-638BB059883F}" type="datetimeFigureOut">
               <a:rPr lang="en-US" smtClean="0"/>
-              <a:t>4/25/2021</a:t>
+              <a:t>5/12/2021</a:t>
             </a:fld>
             <a:endParaRPr lang="en-US"/>
           </a:p>
@@ -866,7 +866,7 @@
           <a:p>
             <a:fld id="{07CE0DD0-8E91-4C10-8493-638BB059883F}" type="datetimeFigureOut">
               <a:rPr lang="en-US" smtClean="0"/>
-              <a:t>4/25/2021</a:t>
+              <a:t>5/12/2021</a:t>
             </a:fld>
             <a:endParaRPr lang="en-US"/>
           </a:p>
@@ -1141,7 +1141,7 @@
           <a:p>
             <a:fld id="{07CE0DD0-8E91-4C10-8493-638BB059883F}" type="datetimeFigureOut">
               <a:rPr lang="en-US" smtClean="0"/>
-              <a:t>4/25/2021</a:t>
+              <a:t>5/12/2021</a:t>
             </a:fld>
             <a:endParaRPr lang="en-US"/>
           </a:p>
@@ -1406,7 +1406,7 @@
           <a:p>
             <a:fld id="{07CE0DD0-8E91-4C10-8493-638BB059883F}" type="datetimeFigureOut">
               <a:rPr lang="en-US" smtClean="0"/>
-              <a:t>4/25/2021</a:t>
+              <a:t>5/12/2021</a:t>
             </a:fld>
             <a:endParaRPr lang="en-US"/>
           </a:p>
@@ -1818,7 +1818,7 @@
           <a:p>
             <a:fld id="{07CE0DD0-8E91-4C10-8493-638BB059883F}" type="datetimeFigureOut">
               <a:rPr lang="en-US" smtClean="0"/>
-              <a:t>4/25/2021</a:t>
+              <a:t>5/12/2021</a:t>
             </a:fld>
             <a:endParaRPr lang="en-US"/>
           </a:p>
@@ -1959,7 +1959,7 @@
           <a:p>
             <a:fld id="{07CE0DD0-8E91-4C10-8493-638BB059883F}" type="datetimeFigureOut">
               <a:rPr lang="en-US" smtClean="0"/>
-              <a:t>4/25/2021</a:t>
+              <a:t>5/12/2021</a:t>
             </a:fld>
             <a:endParaRPr lang="en-US"/>
           </a:p>
@@ -2072,7 +2072,7 @@
           <a:p>
             <a:fld id="{07CE0DD0-8E91-4C10-8493-638BB059883F}" type="datetimeFigureOut">
               <a:rPr lang="en-US" smtClean="0"/>
-              <a:t>4/25/2021</a:t>
+              <a:t>5/12/2021</a:t>
             </a:fld>
             <a:endParaRPr lang="en-US"/>
           </a:p>
@@ -2383,7 +2383,7 @@
           <a:p>
             <a:fld id="{07CE0DD0-8E91-4C10-8493-638BB059883F}" type="datetimeFigureOut">
               <a:rPr lang="en-US" smtClean="0"/>
-              <a:t>4/25/2021</a:t>
+              <a:t>5/12/2021</a:t>
             </a:fld>
             <a:endParaRPr lang="en-US"/>
           </a:p>
@@ -2671,7 +2671,7 @@
           <a:p>
             <a:fld id="{07CE0DD0-8E91-4C10-8493-638BB059883F}" type="datetimeFigureOut">
               <a:rPr lang="en-US" smtClean="0"/>
-              <a:t>4/25/2021</a:t>
+              <a:t>5/12/2021</a:t>
             </a:fld>
             <a:endParaRPr lang="en-US"/>
           </a:p>
@@ -2912,7 +2912,7 @@
           <a:p>
             <a:fld id="{07CE0DD0-8E91-4C10-8493-638BB059883F}" type="datetimeFigureOut">
               <a:rPr lang="en-US" smtClean="0"/>
-              <a:t>4/25/2021</a:t>
+              <a:t>5/12/2021</a:t>
             </a:fld>
             <a:endParaRPr lang="en-US"/>
           </a:p>
@@ -3773,7 +3773,7 @@
         </p:blipFill>
         <p:spPr>
           <a:xfrm>
-            <a:off x="3523265" y="868458"/>
+            <a:off x="0" y="593313"/>
             <a:ext cx="5145470" cy="5121084"/>
           </a:xfrm>
           <a:prstGeom prst="rect">
@@ -3781,6 +3781,244 @@
           </a:prstGeom>
         </p:spPr>
       </p:pic>
+      <p:grpSp>
+        <p:nvGrpSpPr>
+          <p:cNvPr id="10" name="Group 9">
+            <a:extLst>
+              <a:ext uri="{FF2B5EF4-FFF2-40B4-BE49-F238E27FC236}">
+                <a16:creationId xmlns:a16="http://schemas.microsoft.com/office/drawing/2014/main" id="{AB4DF244-9E34-4B12-B614-49D3EF6C363B}"/>
+              </a:ext>
+            </a:extLst>
+          </p:cNvPr>
+          <p:cNvGrpSpPr/>
+          <p:nvPr/>
+        </p:nvGrpSpPr>
+        <p:grpSpPr>
+          <a:xfrm>
+            <a:off x="6469158" y="593313"/>
+            <a:ext cx="5145470" cy="5121084"/>
+            <a:chOff x="3126351" y="1387791"/>
+            <a:chExt cx="5145470" cy="5121084"/>
+          </a:xfrm>
+        </p:grpSpPr>
+        <p:sp>
+          <p:nvSpPr>
+            <p:cNvPr id="2" name="Rectangle 1">
+              <a:extLst>
+                <a:ext uri="{FF2B5EF4-FFF2-40B4-BE49-F238E27FC236}">
+                  <a16:creationId xmlns:a16="http://schemas.microsoft.com/office/drawing/2014/main" id="{C6AEB176-9AC0-4A2C-B41B-9C7363526865}"/>
+                </a:ext>
+              </a:extLst>
+            </p:cNvPr>
+            <p:cNvSpPr/>
+            <p:nvPr/>
+          </p:nvSpPr>
+          <p:spPr>
+            <a:xfrm>
+              <a:off x="3126351" y="1387791"/>
+              <a:ext cx="5145470" cy="5121084"/>
+            </a:xfrm>
+            <a:prstGeom prst="rect">
+              <a:avLst/>
+            </a:prstGeom>
+            <a:solidFill>
+              <a:schemeClr val="bg1"/>
+            </a:solidFill>
+            <a:ln>
+              <a:noFill/>
+            </a:ln>
+          </p:spPr>
+          <p:style>
+            <a:lnRef idx="2">
+              <a:schemeClr val="accent1">
+                <a:shade val="50000"/>
+              </a:schemeClr>
+            </a:lnRef>
+            <a:fillRef idx="1">
+              <a:schemeClr val="accent1"/>
+            </a:fillRef>
+            <a:effectRef idx="0">
+              <a:schemeClr val="accent1"/>
+            </a:effectRef>
+            <a:fontRef idx="minor">
+              <a:schemeClr val="lt1"/>
+            </a:fontRef>
+          </p:style>
+          <p:txBody>
+            <a:bodyPr rtlCol="0" anchor="ctr"/>
+            <a:lstStyle/>
+            <a:p>
+              <a:pPr algn="ctr"/>
+              <a:endParaRPr lang="en-US"/>
+            </a:p>
+          </p:txBody>
+        </p:sp>
+        <p:grpSp>
+          <p:nvGrpSpPr>
+            <p:cNvPr id="9" name="Group 8">
+              <a:extLst>
+                <a:ext uri="{FF2B5EF4-FFF2-40B4-BE49-F238E27FC236}">
+                  <a16:creationId xmlns:a16="http://schemas.microsoft.com/office/drawing/2014/main" id="{0FAFB1B8-42C5-4308-B014-529E402CAB74}"/>
+                </a:ext>
+              </a:extLst>
+            </p:cNvPr>
+            <p:cNvGrpSpPr/>
+            <p:nvPr/>
+          </p:nvGrpSpPr>
+          <p:grpSpPr>
+            <a:xfrm>
+              <a:off x="3852813" y="2163573"/>
+              <a:ext cx="3730187" cy="2851574"/>
+              <a:chOff x="3852813" y="2478367"/>
+              <a:chExt cx="3730187" cy="2851574"/>
+            </a:xfrm>
+          </p:grpSpPr>
+          <p:pic>
+            <p:nvPicPr>
+              <p:cNvPr id="5" name="Picture 4" descr="No photo description available.">
+                <a:extLst>
+                  <a:ext uri="{FF2B5EF4-FFF2-40B4-BE49-F238E27FC236}">
+                    <a16:creationId xmlns:a16="http://schemas.microsoft.com/office/drawing/2014/main" id="{5BE9ACD5-8611-4C5E-964E-443CE09259F7}"/>
+                  </a:ext>
+                </a:extLst>
+              </p:cNvPr>
+              <p:cNvPicPr>
+                <a:picLocks noChangeAspect="1" noChangeArrowheads="1"/>
+              </p:cNvPicPr>
+              <p:nvPr/>
+            </p:nvPicPr>
+            <p:blipFill rotWithShape="1">
+              <a:blip r:embed="rId3">
+                <a:extLst>
+                  <a:ext uri="{BEBA8EAE-BF5A-486C-A8C5-ECC9F3942E4B}">
+                    <a14:imgProps xmlns:a14="http://schemas.microsoft.com/office/drawing/2010/main">
+                      <a14:imgLayer r:embed="rId4">
+                        <a14:imgEffect>
+                          <a14:backgroundRemoval t="10000" b="90000" l="10000" r="90000">
+                            <a14:foregroundMark x1="42222" y1="39653" x2="42222" y2="40208"/>
+                            <a14:foregroundMark x1="56667" y1="43819" x2="56667" y2="43819"/>
+                            <a14:backgroundMark x1="46875" y1="54792" x2="46875" y2="54792"/>
+                          </a14:backgroundRemoval>
+                        </a14:imgEffect>
+                      </a14:imgLayer>
+                    </a14:imgProps>
+                  </a:ext>
+                  <a:ext uri="{28A0092B-C50C-407E-A947-70E740481C1C}">
+                    <a14:useLocalDpi xmlns:a14="http://schemas.microsoft.com/office/drawing/2010/main" val="0"/>
+                  </a:ext>
+                </a:extLst>
+              </a:blip>
+              <a:srcRect l="38000" t="36285" r="37833" b="38672"/>
+              <a:stretch/>
+            </p:blipFill>
+            <p:spPr bwMode="auto">
+              <a:xfrm>
+                <a:off x="4806243" y="2478367"/>
+                <a:ext cx="1834746" cy="1901266"/>
+              </a:xfrm>
+              <a:prstGeom prst="rect">
+                <a:avLst/>
+              </a:prstGeom>
+              <a:noFill/>
+              <a:extLst>
+                <a:ext uri="{909E8E84-426E-40DD-AFC4-6F175D3DCCD1}">
+                  <a14:hiddenFill xmlns:a14="http://schemas.microsoft.com/office/drawing/2010/main">
+                    <a:solidFill>
+                      <a:srgbClr val="FFFFFF"/>
+                    </a:solidFill>
+                  </a14:hiddenFill>
+                </a:ext>
+              </a:extLst>
+            </p:spPr>
+          </p:pic>
+          <p:sp>
+            <p:nvSpPr>
+              <p:cNvPr id="7" name="Rectangle 6">
+                <a:extLst>
+                  <a:ext uri="{FF2B5EF4-FFF2-40B4-BE49-F238E27FC236}">
+                    <a16:creationId xmlns:a16="http://schemas.microsoft.com/office/drawing/2014/main" id="{3410C7FA-1746-4FFF-BEFD-2488014570DB}"/>
+                  </a:ext>
+                </a:extLst>
+              </p:cNvPr>
+              <p:cNvSpPr/>
+              <p:nvPr/>
+            </p:nvSpPr>
+            <p:spPr>
+              <a:xfrm>
+                <a:off x="3864449" y="4263127"/>
+                <a:ext cx="3669274" cy="662200"/>
+              </a:xfrm>
+              <a:prstGeom prst="rect">
+                <a:avLst/>
+              </a:prstGeom>
+              <a:noFill/>
+            </p:spPr>
+            <p:txBody>
+              <a:bodyPr wrap="none" lIns="107156" tIns="53578" rIns="107156" bIns="53578">
+                <a:spAutoFit/>
+              </a:bodyPr>
+              <a:lstStyle/>
+              <a:p>
+                <a:pPr algn="ctr"/>
+                <a:r>
+                  <a:rPr lang="en-US" sz="3600" dirty="0">
+                    <a:ln w="0">
+                      <a:solidFill>
+                        <a:schemeClr val="tx1"/>
+                      </a:solidFill>
+                    </a:ln>
+                    <a:latin typeface="Montserrat" panose="00000500000000000000" pitchFamily="2" charset="0"/>
+                  </a:rPr>
+                  <a:t>VISION GREEN</a:t>
+                </a:r>
+              </a:p>
+            </p:txBody>
+          </p:sp>
+          <p:sp>
+            <p:nvSpPr>
+              <p:cNvPr id="8" name="Rectangle 7">
+                <a:extLst>
+                  <a:ext uri="{FF2B5EF4-FFF2-40B4-BE49-F238E27FC236}">
+                    <a16:creationId xmlns:a16="http://schemas.microsoft.com/office/drawing/2014/main" id="{084A2574-2AD5-49D3-B47E-77747F6256C7}"/>
+                  </a:ext>
+                </a:extLst>
+              </p:cNvPr>
+              <p:cNvSpPr/>
+              <p:nvPr/>
+            </p:nvSpPr>
+            <p:spPr>
+              <a:xfrm>
+                <a:off x="3852813" y="4698518"/>
+                <a:ext cx="3730187" cy="631423"/>
+              </a:xfrm>
+              <a:prstGeom prst="rect">
+                <a:avLst/>
+              </a:prstGeom>
+              <a:noFill/>
+            </p:spPr>
+            <p:txBody>
+              <a:bodyPr wrap="none" lIns="107156" tIns="53578" rIns="107156" bIns="53578">
+                <a:spAutoFit/>
+              </a:bodyPr>
+              <a:lstStyle/>
+              <a:p>
+                <a:pPr algn="ctr"/>
+                <a:r>
+                  <a:rPr lang="en-US" sz="3300" dirty="0">
+                    <a:ln w="0">
+                      <a:solidFill>
+                        <a:schemeClr val="tx1"/>
+                      </a:solidFill>
+                    </a:ln>
+                    <a:latin typeface="Montserrat" panose="00000500000000000000" pitchFamily="2" charset="0"/>
+                  </a:rPr>
+                  <a:t>ORGANIZATION</a:t>
+                </a:r>
+              </a:p>
+            </p:txBody>
+          </p:sp>
+        </p:grpSp>
+      </p:grpSp>
     </p:spTree>
     <p:extLst>
       <p:ext uri="{BB962C8B-B14F-4D97-AF65-F5344CB8AC3E}">

--- a/images/gen.pptx
+++ b/images/gen.pptx
@@ -9,6 +9,7 @@
     <p:sldId id="257" r:id="rId3"/>
     <p:sldId id="258" r:id="rId4"/>
     <p:sldId id="259" r:id="rId5"/>
+    <p:sldId id="260" r:id="rId6"/>
   </p:sldIdLst>
   <p:sldSz cx="12192000" cy="6858000"/>
   <p:notesSz cx="6858000" cy="9144000"/>
@@ -262,7 +263,7 @@
           <a:p>
             <a:fld id="{07CE0DD0-8E91-4C10-8493-638BB059883F}" type="datetimeFigureOut">
               <a:rPr lang="en-US" smtClean="0"/>
-              <a:t>5/12/2021</a:t>
+              <a:t>6/1/2021</a:t>
             </a:fld>
             <a:endParaRPr lang="en-US"/>
           </a:p>
@@ -460,7 +461,7 @@
           <a:p>
             <a:fld id="{07CE0DD0-8E91-4C10-8493-638BB059883F}" type="datetimeFigureOut">
               <a:rPr lang="en-US" smtClean="0"/>
-              <a:t>5/12/2021</a:t>
+              <a:t>6/1/2021</a:t>
             </a:fld>
             <a:endParaRPr lang="en-US"/>
           </a:p>
@@ -668,7 +669,7 @@
           <a:p>
             <a:fld id="{07CE0DD0-8E91-4C10-8493-638BB059883F}" type="datetimeFigureOut">
               <a:rPr lang="en-US" smtClean="0"/>
-              <a:t>5/12/2021</a:t>
+              <a:t>6/1/2021</a:t>
             </a:fld>
             <a:endParaRPr lang="en-US"/>
           </a:p>
@@ -866,7 +867,7 @@
           <a:p>
             <a:fld id="{07CE0DD0-8E91-4C10-8493-638BB059883F}" type="datetimeFigureOut">
               <a:rPr lang="en-US" smtClean="0"/>
-              <a:t>5/12/2021</a:t>
+              <a:t>6/1/2021</a:t>
             </a:fld>
             <a:endParaRPr lang="en-US"/>
           </a:p>
@@ -1141,7 +1142,7 @@
           <a:p>
             <a:fld id="{07CE0DD0-8E91-4C10-8493-638BB059883F}" type="datetimeFigureOut">
               <a:rPr lang="en-US" smtClean="0"/>
-              <a:t>5/12/2021</a:t>
+              <a:t>6/1/2021</a:t>
             </a:fld>
             <a:endParaRPr lang="en-US"/>
           </a:p>
@@ -1406,7 +1407,7 @@
           <a:p>
             <a:fld id="{07CE0DD0-8E91-4C10-8493-638BB059883F}" type="datetimeFigureOut">
               <a:rPr lang="en-US" smtClean="0"/>
-              <a:t>5/12/2021</a:t>
+              <a:t>6/1/2021</a:t>
             </a:fld>
             <a:endParaRPr lang="en-US"/>
           </a:p>
@@ -1818,7 +1819,7 @@
           <a:p>
             <a:fld id="{07CE0DD0-8E91-4C10-8493-638BB059883F}" type="datetimeFigureOut">
               <a:rPr lang="en-US" smtClean="0"/>
-              <a:t>5/12/2021</a:t>
+              <a:t>6/1/2021</a:t>
             </a:fld>
             <a:endParaRPr lang="en-US"/>
           </a:p>
@@ -1959,7 +1960,7 @@
           <a:p>
             <a:fld id="{07CE0DD0-8E91-4C10-8493-638BB059883F}" type="datetimeFigureOut">
               <a:rPr lang="en-US" smtClean="0"/>
-              <a:t>5/12/2021</a:t>
+              <a:t>6/1/2021</a:t>
             </a:fld>
             <a:endParaRPr lang="en-US"/>
           </a:p>
@@ -2072,7 +2073,7 @@
           <a:p>
             <a:fld id="{07CE0DD0-8E91-4C10-8493-638BB059883F}" type="datetimeFigureOut">
               <a:rPr lang="en-US" smtClean="0"/>
-              <a:t>5/12/2021</a:t>
+              <a:t>6/1/2021</a:t>
             </a:fld>
             <a:endParaRPr lang="en-US"/>
           </a:p>
@@ -2383,7 +2384,7 @@
           <a:p>
             <a:fld id="{07CE0DD0-8E91-4C10-8493-638BB059883F}" type="datetimeFigureOut">
               <a:rPr lang="en-US" smtClean="0"/>
-              <a:t>5/12/2021</a:t>
+              <a:t>6/1/2021</a:t>
             </a:fld>
             <a:endParaRPr lang="en-US"/>
           </a:p>
@@ -2671,7 +2672,7 @@
           <a:p>
             <a:fld id="{07CE0DD0-8E91-4C10-8493-638BB059883F}" type="datetimeFigureOut">
               <a:rPr lang="en-US" smtClean="0"/>
-              <a:t>5/12/2021</a:t>
+              <a:t>6/1/2021</a:t>
             </a:fld>
             <a:endParaRPr lang="en-US"/>
           </a:p>
@@ -2912,7 +2913,7 @@
           <a:p>
             <a:fld id="{07CE0DD0-8E91-4C10-8493-638BB059883F}" type="datetimeFigureOut">
               <a:rPr lang="en-US" smtClean="0"/>
-              <a:t>5/12/2021</a:t>
+              <a:t>6/1/2021</a:t>
             </a:fld>
             <a:endParaRPr lang="en-US"/>
           </a:p>
@@ -3783,10 +3784,10 @@
       </p:pic>
       <p:grpSp>
         <p:nvGrpSpPr>
-          <p:cNvPr id="10" name="Group 9">
-            <a:extLst>
-              <a:ext uri="{FF2B5EF4-FFF2-40B4-BE49-F238E27FC236}">
-                <a16:creationId xmlns:a16="http://schemas.microsoft.com/office/drawing/2014/main" id="{AB4DF244-9E34-4B12-B614-49D3EF6C363B}"/>
+          <p:cNvPr id="4" name="Group 3">
+            <a:extLst>
+              <a:ext uri="{FF2B5EF4-FFF2-40B4-BE49-F238E27FC236}">
+                <a16:creationId xmlns:a16="http://schemas.microsoft.com/office/drawing/2014/main" id="{AC6C45A4-CF9A-4190-AC52-A9BE54E8D2B0}"/>
               </a:ext>
             </a:extLst>
           </p:cNvPr>
@@ -3795,9 +3796,9 @@
         </p:nvGrpSpPr>
         <p:grpSpPr>
           <a:xfrm>
-            <a:off x="6469158" y="593313"/>
+            <a:off x="6469158" y="424500"/>
             <a:ext cx="5145470" cy="5121084"/>
-            <a:chOff x="3126351" y="1387791"/>
+            <a:chOff x="6469158" y="480771"/>
             <a:chExt cx="5145470" cy="5121084"/>
           </a:xfrm>
         </p:grpSpPr>
@@ -3815,14 +3816,14 @@
           </p:nvSpPr>
           <p:spPr>
             <a:xfrm>
-              <a:off x="3126351" y="1387791"/>
+              <a:off x="6469158" y="480771"/>
               <a:ext cx="5145470" cy="5121084"/>
             </a:xfrm>
             <a:prstGeom prst="rect">
               <a:avLst/>
             </a:prstGeom>
             <a:solidFill>
-              <a:schemeClr val="bg1"/>
+              <a:schemeClr val="tx1"/>
             </a:solidFill>
             <a:ln>
               <a:noFill/>
@@ -3853,176 +3854,531 @@
             </a:p>
           </p:txBody>
         </p:sp>
-        <p:grpSp>
-          <p:nvGrpSpPr>
-            <p:cNvPr id="9" name="Group 8">
+        <p:sp>
+          <p:nvSpPr>
+            <p:cNvPr id="7" name="Rectangle 6">
               <a:extLst>
                 <a:ext uri="{FF2B5EF4-FFF2-40B4-BE49-F238E27FC236}">
-                  <a16:creationId xmlns:a16="http://schemas.microsoft.com/office/drawing/2014/main" id="{0FAFB1B8-42C5-4308-B014-529E402CAB74}"/>
+                  <a16:creationId xmlns:a16="http://schemas.microsoft.com/office/drawing/2014/main" id="{3410C7FA-1746-4FFF-BEFD-2488014570DB}"/>
                 </a:ext>
               </a:extLst>
             </p:cNvPr>
-            <p:cNvGrpSpPr/>
+            <p:cNvSpPr/>
             <p:nvPr/>
-          </p:nvGrpSpPr>
-          <p:grpSpPr>
+          </p:nvSpPr>
+          <p:spPr>
             <a:xfrm>
-              <a:off x="3852813" y="2163573"/>
-              <a:ext cx="3730187" cy="2851574"/>
-              <a:chOff x="3852813" y="2478367"/>
-              <a:chExt cx="3730187" cy="2851574"/>
+              <a:off x="7165053" y="3316458"/>
+              <a:ext cx="3669274" cy="662200"/>
             </a:xfrm>
-          </p:grpSpPr>
-          <p:pic>
-            <p:nvPicPr>
-              <p:cNvPr id="5" name="Picture 4" descr="No photo description available.">
-                <a:extLst>
-                  <a:ext uri="{FF2B5EF4-FFF2-40B4-BE49-F238E27FC236}">
-                    <a16:creationId xmlns:a16="http://schemas.microsoft.com/office/drawing/2014/main" id="{5BE9ACD5-8611-4C5E-964E-443CE09259F7}"/>
-                  </a:ext>
-                </a:extLst>
-              </p:cNvPr>
-              <p:cNvPicPr>
-                <a:picLocks noChangeAspect="1" noChangeArrowheads="1"/>
-              </p:cNvPicPr>
-              <p:nvPr/>
-            </p:nvPicPr>
-            <p:blipFill rotWithShape="1">
-              <a:blip r:embed="rId3">
-                <a:extLst>
-                  <a:ext uri="{BEBA8EAE-BF5A-486C-A8C5-ECC9F3942E4B}">
-                    <a14:imgProps xmlns:a14="http://schemas.microsoft.com/office/drawing/2010/main">
-                      <a14:imgLayer r:embed="rId4">
-                        <a14:imgEffect>
-                          <a14:backgroundRemoval t="10000" b="90000" l="10000" r="90000">
-                            <a14:foregroundMark x1="42222" y1="39653" x2="42222" y2="40208"/>
-                            <a14:foregroundMark x1="56667" y1="43819" x2="56667" y2="43819"/>
-                            <a14:backgroundMark x1="46875" y1="54792" x2="46875" y2="54792"/>
-                          </a14:backgroundRemoval>
-                        </a14:imgEffect>
-                      </a14:imgLayer>
-                    </a14:imgProps>
-                  </a:ext>
-                  <a:ext uri="{28A0092B-C50C-407E-A947-70E740481C1C}">
-                    <a14:useLocalDpi xmlns:a14="http://schemas.microsoft.com/office/drawing/2010/main" val="0"/>
-                  </a:ext>
-                </a:extLst>
-              </a:blip>
-              <a:srcRect l="38000" t="36285" r="37833" b="38672"/>
-              <a:stretch/>
-            </p:blipFill>
-            <p:spPr bwMode="auto">
-              <a:xfrm>
-                <a:off x="4806243" y="2478367"/>
-                <a:ext cx="1834746" cy="1901266"/>
-              </a:xfrm>
-              <a:prstGeom prst="rect">
-                <a:avLst/>
-              </a:prstGeom>
-              <a:noFill/>
+            <a:prstGeom prst="rect">
+              <a:avLst/>
+            </a:prstGeom>
+            <a:noFill/>
+          </p:spPr>
+          <p:txBody>
+            <a:bodyPr wrap="none" lIns="107156" tIns="53578" rIns="107156" bIns="53578">
+              <a:spAutoFit/>
+            </a:bodyPr>
+            <a:lstStyle/>
+            <a:p>
+              <a:pPr algn="ctr"/>
+              <a:r>
+                <a:rPr lang="en-US" sz="3600" dirty="0">
+                  <a:ln w="0">
+                    <a:solidFill>
+                      <a:schemeClr val="bg1"/>
+                    </a:solidFill>
+                  </a:ln>
+                  <a:solidFill>
+                    <a:schemeClr val="bg1"/>
+                  </a:solidFill>
+                  <a:latin typeface="Montserrat" panose="00000500000000000000" pitchFamily="2" charset="0"/>
+                </a:rPr>
+                <a:t>VISION GREEN</a:t>
+              </a:r>
+            </a:p>
+          </p:txBody>
+        </p:sp>
+        <p:sp>
+          <p:nvSpPr>
+            <p:cNvPr id="8" name="Rectangle 7">
               <a:extLst>
-                <a:ext uri="{909E8E84-426E-40DD-AFC4-6F175D3DCCD1}">
-                  <a14:hiddenFill xmlns:a14="http://schemas.microsoft.com/office/drawing/2010/main">
-                    <a:solidFill>
-                      <a:srgbClr val="FFFFFF"/>
-                    </a:solidFill>
-                  </a14:hiddenFill>
+                <a:ext uri="{FF2B5EF4-FFF2-40B4-BE49-F238E27FC236}">
+                  <a16:creationId xmlns:a16="http://schemas.microsoft.com/office/drawing/2014/main" id="{084A2574-2AD5-49D3-B47E-77747F6256C7}"/>
                 </a:ext>
               </a:extLst>
-            </p:spPr>
-          </p:pic>
-          <p:sp>
-            <p:nvSpPr>
-              <p:cNvPr id="7" name="Rectangle 6">
-                <a:extLst>
-                  <a:ext uri="{FF2B5EF4-FFF2-40B4-BE49-F238E27FC236}">
-                    <a16:creationId xmlns:a16="http://schemas.microsoft.com/office/drawing/2014/main" id="{3410C7FA-1746-4FFF-BEFD-2488014570DB}"/>
-                  </a:ext>
-                </a:extLst>
-              </p:cNvPr>
-              <p:cNvSpPr/>
-              <p:nvPr/>
-            </p:nvSpPr>
-            <p:spPr>
-              <a:xfrm>
-                <a:off x="3864449" y="4263127"/>
-                <a:ext cx="3669274" cy="662200"/>
-              </a:xfrm>
-              <a:prstGeom prst="rect">
-                <a:avLst/>
-              </a:prstGeom>
-              <a:noFill/>
-            </p:spPr>
-            <p:txBody>
-              <a:bodyPr wrap="none" lIns="107156" tIns="53578" rIns="107156" bIns="53578">
-                <a:spAutoFit/>
-              </a:bodyPr>
-              <a:lstStyle/>
-              <a:p>
-                <a:pPr algn="ctr"/>
-                <a:r>
-                  <a:rPr lang="en-US" sz="3600" dirty="0">
-                    <a:ln w="0">
-                      <a:solidFill>
-                        <a:schemeClr val="tx1"/>
-                      </a:solidFill>
-                    </a:ln>
-                    <a:latin typeface="Montserrat" panose="00000500000000000000" pitchFamily="2" charset="0"/>
-                  </a:rPr>
-                  <a:t>VISION GREEN</a:t>
-                </a:r>
-              </a:p>
-            </p:txBody>
-          </p:sp>
-          <p:sp>
-            <p:nvSpPr>
-              <p:cNvPr id="8" name="Rectangle 7">
-                <a:extLst>
-                  <a:ext uri="{FF2B5EF4-FFF2-40B4-BE49-F238E27FC236}">
-                    <a16:creationId xmlns:a16="http://schemas.microsoft.com/office/drawing/2014/main" id="{084A2574-2AD5-49D3-B47E-77747F6256C7}"/>
-                  </a:ext>
-                </a:extLst>
-              </p:cNvPr>
-              <p:cNvSpPr/>
-              <p:nvPr/>
-            </p:nvSpPr>
-            <p:spPr>
-              <a:xfrm>
-                <a:off x="3852813" y="4698518"/>
-                <a:ext cx="3730187" cy="631423"/>
-              </a:xfrm>
-              <a:prstGeom prst="rect">
-                <a:avLst/>
-              </a:prstGeom>
-              <a:noFill/>
-            </p:spPr>
-            <p:txBody>
-              <a:bodyPr wrap="none" lIns="107156" tIns="53578" rIns="107156" bIns="53578">
-                <a:spAutoFit/>
-              </a:bodyPr>
-              <a:lstStyle/>
-              <a:p>
-                <a:pPr algn="ctr"/>
-                <a:r>
-                  <a:rPr lang="en-US" sz="3300" dirty="0">
-                    <a:ln w="0">
-                      <a:solidFill>
-                        <a:schemeClr val="tx1"/>
-                      </a:solidFill>
-                    </a:ln>
-                    <a:latin typeface="Montserrat" panose="00000500000000000000" pitchFamily="2" charset="0"/>
-                  </a:rPr>
-                  <a:t>ORGANIZATION</a:t>
-                </a:r>
-              </a:p>
-            </p:txBody>
-          </p:sp>
-        </p:grpSp>
+            </p:cNvPr>
+            <p:cNvSpPr/>
+            <p:nvPr/>
+          </p:nvSpPr>
+          <p:spPr>
+            <a:xfrm>
+              <a:off x="7153417" y="3751849"/>
+              <a:ext cx="3730187" cy="631423"/>
+            </a:xfrm>
+            <a:prstGeom prst="rect">
+              <a:avLst/>
+            </a:prstGeom>
+            <a:noFill/>
+          </p:spPr>
+          <p:txBody>
+            <a:bodyPr wrap="none" lIns="107156" tIns="53578" rIns="107156" bIns="53578">
+              <a:spAutoFit/>
+            </a:bodyPr>
+            <a:lstStyle/>
+            <a:p>
+              <a:pPr algn="ctr"/>
+              <a:r>
+                <a:rPr lang="en-US" sz="3300" dirty="0">
+                  <a:ln w="0">
+                    <a:solidFill>
+                      <a:schemeClr val="bg1"/>
+                    </a:solidFill>
+                  </a:ln>
+                  <a:solidFill>
+                    <a:schemeClr val="bg1"/>
+                  </a:solidFill>
+                  <a:latin typeface="Montserrat" panose="00000500000000000000" pitchFamily="2" charset="0"/>
+                </a:rPr>
+                <a:t>ORGANIZATION</a:t>
+              </a:r>
+            </a:p>
+          </p:txBody>
+        </p:sp>
+        <p:pic>
+          <p:nvPicPr>
+            <p:cNvPr id="11" name="Picture 2">
+              <a:extLst>
+                <a:ext uri="{FF2B5EF4-FFF2-40B4-BE49-F238E27FC236}">
+                  <a16:creationId xmlns:a16="http://schemas.microsoft.com/office/drawing/2014/main" id="{702AE38C-A16C-48C0-95E4-E4DA40BD1648}"/>
+                </a:ext>
+              </a:extLst>
+            </p:cNvPr>
+            <p:cNvPicPr>
+              <a:picLocks noChangeAspect="1" noChangeArrowheads="1"/>
+            </p:cNvPicPr>
+            <p:nvPr/>
+          </p:nvPicPr>
+          <p:blipFill rotWithShape="1">
+            <a:blip r:embed="rId3">
+              <a:extLst>
+                <a:ext uri="{28A0092B-C50C-407E-A947-70E740481C1C}">
+                  <a14:useLocalDpi xmlns:a14="http://schemas.microsoft.com/office/drawing/2010/main" val="0"/>
+                </a:ext>
+              </a:extLst>
+            </a:blip>
+            <a:srcRect l="34300" t="31156" r="34840" b="36901"/>
+            <a:stretch/>
+          </p:blipFill>
+          <p:spPr bwMode="auto">
+            <a:xfrm>
+              <a:off x="7929644" y="1213814"/>
+              <a:ext cx="2140092" cy="2215186"/>
+            </a:xfrm>
+            <a:prstGeom prst="rect">
+              <a:avLst/>
+            </a:prstGeom>
+            <a:noFill/>
+            <a:extLst>
+              <a:ext uri="{909E8E84-426E-40DD-AFC4-6F175D3DCCD1}">
+                <a14:hiddenFill xmlns:a14="http://schemas.microsoft.com/office/drawing/2010/main">
+                  <a:solidFill>
+                    <a:srgbClr val="FFFFFF"/>
+                  </a:solidFill>
+                </a14:hiddenFill>
+              </a:ext>
+            </a:extLst>
+          </p:spPr>
+        </p:pic>
       </p:grpSp>
     </p:spTree>
     <p:extLst>
       <p:ext uri="{BB962C8B-B14F-4D97-AF65-F5344CB8AC3E}">
         <p14:creationId xmlns:p14="http://schemas.microsoft.com/office/powerpoint/2010/main" val="3642231732"/>
+      </p:ext>
+    </p:extLst>
+  </p:cSld>
+  <p:clrMapOvr>
+    <a:masterClrMapping/>
+  </p:clrMapOvr>
+</p:sld>
+</file>
+
+<file path=ppt/slides/slide5.xml><?xml version="1.0" encoding="utf-8"?>
+<p:sld xmlns:a="http://schemas.openxmlformats.org/drawingml/2006/main" xmlns:r="http://schemas.openxmlformats.org/officeDocument/2006/relationships" xmlns:p="http://schemas.openxmlformats.org/presentationml/2006/main">
+  <p:cSld>
+    <p:spTree>
+      <p:nvGrpSpPr>
+        <p:cNvPr id="1" name=""/>
+        <p:cNvGrpSpPr/>
+        <p:nvPr/>
+      </p:nvGrpSpPr>
+      <p:grpSpPr>
+        <a:xfrm>
+          <a:off x="0" y="0"/>
+          <a:ext cx="0" cy="0"/>
+          <a:chOff x="0" y="0"/>
+          <a:chExt cx="0" cy="0"/>
+        </a:xfrm>
+      </p:grpSpPr>
+      <p:grpSp>
+        <p:nvGrpSpPr>
+          <p:cNvPr id="24" name="Group 23">
+            <a:extLst>
+              <a:ext uri="{FF2B5EF4-FFF2-40B4-BE49-F238E27FC236}">
+                <a16:creationId xmlns:a16="http://schemas.microsoft.com/office/drawing/2014/main" id="{95260EC8-0917-42BD-B1D3-A2A192474D9E}"/>
+              </a:ext>
+            </a:extLst>
+          </p:cNvPr>
+          <p:cNvGrpSpPr/>
+          <p:nvPr/>
+        </p:nvGrpSpPr>
+        <p:grpSpPr>
+          <a:xfrm>
+            <a:off x="540859" y="234385"/>
+            <a:ext cx="5143500" cy="5767753"/>
+            <a:chOff x="6361087" y="365014"/>
+            <a:chExt cx="5143500" cy="5767753"/>
+          </a:xfrm>
+        </p:grpSpPr>
+        <p:pic>
+          <p:nvPicPr>
+            <p:cNvPr id="23" name="Picture 22">
+              <a:extLst>
+                <a:ext uri="{FF2B5EF4-FFF2-40B4-BE49-F238E27FC236}">
+                  <a16:creationId xmlns:a16="http://schemas.microsoft.com/office/drawing/2014/main" id="{C589B54A-E39B-487D-BAA4-894DAD30B820}"/>
+                </a:ext>
+              </a:extLst>
+            </p:cNvPr>
+            <p:cNvPicPr>
+              <a:picLocks noChangeAspect="1"/>
+            </p:cNvPicPr>
+            <p:nvPr/>
+          </p:nvPicPr>
+          <p:blipFill rotWithShape="1">
+            <a:blip r:embed="rId2">
+              <a:extLst>
+                <a:ext uri="{28A0092B-C50C-407E-A947-70E740481C1C}">
+                  <a14:useLocalDpi xmlns:a14="http://schemas.microsoft.com/office/drawing/2010/main" val="0"/>
+                </a:ext>
+              </a:extLst>
+            </a:blip>
+            <a:srcRect b="15897"/>
+            <a:stretch/>
+          </p:blipFill>
+          <p:spPr>
+            <a:xfrm>
+              <a:off x="6361087" y="365014"/>
+              <a:ext cx="5143500" cy="5767753"/>
+            </a:xfrm>
+            <a:prstGeom prst="rect">
+              <a:avLst/>
+            </a:prstGeom>
+          </p:spPr>
+        </p:pic>
+        <p:pic>
+          <p:nvPicPr>
+            <p:cNvPr id="7" name="Graphic 6">
+              <a:extLst>
+                <a:ext uri="{FF2B5EF4-FFF2-40B4-BE49-F238E27FC236}">
+                  <a16:creationId xmlns:a16="http://schemas.microsoft.com/office/drawing/2014/main" id="{7834CCC7-785D-424B-A004-AA4A0D92C21A}"/>
+                </a:ext>
+              </a:extLst>
+            </p:cNvPr>
+            <p:cNvPicPr>
+              <a:picLocks noChangeAspect="1"/>
+            </p:cNvPicPr>
+            <p:nvPr/>
+          </p:nvPicPr>
+          <p:blipFill>
+            <a:blip r:embed="rId3">
+              <a:extLst>
+                <a:ext uri="{28A0092B-C50C-407E-A947-70E740481C1C}">
+                  <a14:useLocalDpi xmlns:a14="http://schemas.microsoft.com/office/drawing/2010/main" val="0"/>
+                </a:ext>
+                <a:ext uri="{96DAC541-7B7A-43D3-8B79-37D633B846F1}">
+                  <asvg:svgBlip xmlns:asvg="http://schemas.microsoft.com/office/drawing/2016/SVG/main" r:embed="rId4"/>
+                </a:ext>
+              </a:extLst>
+            </a:blip>
+            <a:stretch>
+              <a:fillRect/>
+            </a:stretch>
+          </p:blipFill>
+          <p:spPr>
+            <a:xfrm>
+              <a:off x="7333370" y="3188956"/>
+              <a:ext cx="3749109" cy="2943811"/>
+            </a:xfrm>
+            <a:prstGeom prst="rect">
+              <a:avLst/>
+            </a:prstGeom>
+          </p:spPr>
+        </p:pic>
+        <p:pic>
+          <p:nvPicPr>
+            <p:cNvPr id="9" name="Picture 2">
+              <a:extLst>
+                <a:ext uri="{FF2B5EF4-FFF2-40B4-BE49-F238E27FC236}">
+                  <a16:creationId xmlns:a16="http://schemas.microsoft.com/office/drawing/2014/main" id="{50D72470-FCFA-46C4-90D9-828AAB88E9FB}"/>
+                </a:ext>
+              </a:extLst>
+            </p:cNvPr>
+            <p:cNvPicPr>
+              <a:picLocks noChangeAspect="1" noChangeArrowheads="1"/>
+            </p:cNvPicPr>
+            <p:nvPr/>
+          </p:nvPicPr>
+          <p:blipFill rotWithShape="1">
+            <a:blip r:embed="rId5">
+              <a:extLst>
+                <a:ext uri="{28A0092B-C50C-407E-A947-70E740481C1C}">
+                  <a14:useLocalDpi xmlns:a14="http://schemas.microsoft.com/office/drawing/2010/main" val="0"/>
+                </a:ext>
+              </a:extLst>
+            </a:blip>
+            <a:srcRect l="34300" t="31156" r="34840" b="36901"/>
+            <a:stretch/>
+          </p:blipFill>
+          <p:spPr bwMode="auto">
+            <a:xfrm>
+              <a:off x="11192458" y="5809686"/>
+              <a:ext cx="312129" cy="323081"/>
+            </a:xfrm>
+            <a:prstGeom prst="rect">
+              <a:avLst/>
+            </a:prstGeom>
+            <a:noFill/>
+            <a:extLst>
+              <a:ext uri="{909E8E84-426E-40DD-AFC4-6F175D3DCCD1}">
+                <a14:hiddenFill xmlns:a14="http://schemas.microsoft.com/office/drawing/2010/main">
+                  <a:solidFill>
+                    <a:srgbClr val="FFFFFF"/>
+                  </a:solidFill>
+                </a14:hiddenFill>
+              </a:ext>
+            </a:extLst>
+          </p:spPr>
+        </p:pic>
+        <p:pic>
+          <p:nvPicPr>
+            <p:cNvPr id="11" name="Picture 10">
+              <a:extLst>
+                <a:ext uri="{FF2B5EF4-FFF2-40B4-BE49-F238E27FC236}">
+                  <a16:creationId xmlns:a16="http://schemas.microsoft.com/office/drawing/2014/main" id="{220DC7E6-C8B7-4591-9336-452A7273E93D}"/>
+                </a:ext>
+              </a:extLst>
+            </p:cNvPr>
+            <p:cNvPicPr>
+              <a:picLocks noChangeAspect="1"/>
+            </p:cNvPicPr>
+            <p:nvPr/>
+          </p:nvPicPr>
+          <p:blipFill>
+            <a:blip r:embed="rId6">
+              <a:extLst>
+                <a:ext uri="{28A0092B-C50C-407E-A947-70E740481C1C}">
+                  <a14:useLocalDpi xmlns:a14="http://schemas.microsoft.com/office/drawing/2010/main" val="0"/>
+                </a:ext>
+              </a:extLst>
+            </a:blip>
+            <a:stretch>
+              <a:fillRect/>
+            </a:stretch>
+          </p:blipFill>
+          <p:spPr>
+            <a:xfrm>
+              <a:off x="6361087" y="5809685"/>
+              <a:ext cx="312129" cy="323081"/>
+            </a:xfrm>
+            <a:prstGeom prst="rect">
+              <a:avLst/>
+            </a:prstGeom>
+          </p:spPr>
+        </p:pic>
+      </p:grpSp>
+      <p:grpSp>
+        <p:nvGrpSpPr>
+          <p:cNvPr id="33" name="Group 32">
+            <a:extLst>
+              <a:ext uri="{FF2B5EF4-FFF2-40B4-BE49-F238E27FC236}">
+                <a16:creationId xmlns:a16="http://schemas.microsoft.com/office/drawing/2014/main" id="{B114568C-8D9A-4EEA-8E2B-FBDB58517704}"/>
+              </a:ext>
+            </a:extLst>
+          </p:cNvPr>
+          <p:cNvGrpSpPr/>
+          <p:nvPr/>
+        </p:nvGrpSpPr>
+        <p:grpSpPr>
+          <a:xfrm>
+            <a:off x="6783615" y="-1"/>
+            <a:ext cx="5143500" cy="6858001"/>
+            <a:chOff x="6656642" y="-68601"/>
+            <a:chExt cx="5143500" cy="6858001"/>
+          </a:xfrm>
+        </p:grpSpPr>
+        <p:pic>
+          <p:nvPicPr>
+            <p:cNvPr id="26" name="Picture 25">
+              <a:extLst>
+                <a:ext uri="{FF2B5EF4-FFF2-40B4-BE49-F238E27FC236}">
+                  <a16:creationId xmlns:a16="http://schemas.microsoft.com/office/drawing/2014/main" id="{D142831B-E19E-4A11-A9C9-CFD1CC6EDECE}"/>
+                </a:ext>
+              </a:extLst>
+            </p:cNvPr>
+            <p:cNvPicPr>
+              <a:picLocks noChangeAspect="1"/>
+            </p:cNvPicPr>
+            <p:nvPr/>
+          </p:nvPicPr>
+          <p:blipFill>
+            <a:blip r:embed="rId7">
+              <a:extLst>
+                <a:ext uri="{28A0092B-C50C-407E-A947-70E740481C1C}">
+                  <a14:useLocalDpi xmlns:a14="http://schemas.microsoft.com/office/drawing/2010/main" val="0"/>
+                </a:ext>
+              </a:extLst>
+            </a:blip>
+            <a:stretch>
+              <a:fillRect/>
+            </a:stretch>
+          </p:blipFill>
+          <p:spPr>
+            <a:xfrm>
+              <a:off x="6656642" y="-68601"/>
+              <a:ext cx="5143500" cy="6858000"/>
+            </a:xfrm>
+            <a:prstGeom prst="rect">
+              <a:avLst/>
+            </a:prstGeom>
+          </p:spPr>
+        </p:pic>
+        <p:pic>
+          <p:nvPicPr>
+            <p:cNvPr id="27" name="Picture 2">
+              <a:extLst>
+                <a:ext uri="{FF2B5EF4-FFF2-40B4-BE49-F238E27FC236}">
+                  <a16:creationId xmlns:a16="http://schemas.microsoft.com/office/drawing/2014/main" id="{EB086F51-5F32-458F-BB78-C1AFF4BB15C6}"/>
+                </a:ext>
+              </a:extLst>
+            </p:cNvPr>
+            <p:cNvPicPr>
+              <a:picLocks noChangeAspect="1" noChangeArrowheads="1"/>
+            </p:cNvPicPr>
+            <p:nvPr/>
+          </p:nvPicPr>
+          <p:blipFill rotWithShape="1">
+            <a:blip r:embed="rId5">
+              <a:extLst>
+                <a:ext uri="{28A0092B-C50C-407E-A947-70E740481C1C}">
+                  <a14:useLocalDpi xmlns:a14="http://schemas.microsoft.com/office/drawing/2010/main" val="0"/>
+                </a:ext>
+              </a:extLst>
+            </a:blip>
+            <a:srcRect l="34300" t="31156" r="34840" b="36901"/>
+            <a:stretch/>
+          </p:blipFill>
+          <p:spPr bwMode="auto">
+            <a:xfrm>
+              <a:off x="11488013" y="6466319"/>
+              <a:ext cx="312129" cy="323081"/>
+            </a:xfrm>
+            <a:prstGeom prst="rect">
+              <a:avLst/>
+            </a:prstGeom>
+            <a:noFill/>
+            <a:extLst>
+              <a:ext uri="{909E8E84-426E-40DD-AFC4-6F175D3DCCD1}">
+                <a14:hiddenFill xmlns:a14="http://schemas.microsoft.com/office/drawing/2010/main">
+                  <a:solidFill>
+                    <a:srgbClr val="FFFFFF"/>
+                  </a:solidFill>
+                </a14:hiddenFill>
+              </a:ext>
+            </a:extLst>
+          </p:spPr>
+        </p:pic>
+        <p:pic>
+          <p:nvPicPr>
+            <p:cNvPr id="28" name="Picture 27">
+              <a:extLst>
+                <a:ext uri="{FF2B5EF4-FFF2-40B4-BE49-F238E27FC236}">
+                  <a16:creationId xmlns:a16="http://schemas.microsoft.com/office/drawing/2014/main" id="{F47039E6-F763-4AA0-BFC3-958321CE884D}"/>
+                </a:ext>
+              </a:extLst>
+            </p:cNvPr>
+            <p:cNvPicPr>
+              <a:picLocks noChangeAspect="1"/>
+            </p:cNvPicPr>
+            <p:nvPr/>
+          </p:nvPicPr>
+          <p:blipFill>
+            <a:blip r:embed="rId6">
+              <a:extLst>
+                <a:ext uri="{28A0092B-C50C-407E-A947-70E740481C1C}">
+                  <a14:useLocalDpi xmlns:a14="http://schemas.microsoft.com/office/drawing/2010/main" val="0"/>
+                </a:ext>
+              </a:extLst>
+            </a:blip>
+            <a:stretch>
+              <a:fillRect/>
+            </a:stretch>
+          </p:blipFill>
+          <p:spPr>
+            <a:xfrm>
+              <a:off x="6656642" y="6466318"/>
+              <a:ext cx="312129" cy="323081"/>
+            </a:xfrm>
+            <a:prstGeom prst="rect">
+              <a:avLst/>
+            </a:prstGeom>
+          </p:spPr>
+        </p:pic>
+        <p:pic>
+          <p:nvPicPr>
+            <p:cNvPr id="30" name="Graphic 29">
+              <a:extLst>
+                <a:ext uri="{FF2B5EF4-FFF2-40B4-BE49-F238E27FC236}">
+                  <a16:creationId xmlns:a16="http://schemas.microsoft.com/office/drawing/2014/main" id="{7957E617-52D8-4435-800B-8D5EBC59FA3D}"/>
+                </a:ext>
+              </a:extLst>
+            </p:cNvPr>
+            <p:cNvPicPr>
+              <a:picLocks noChangeAspect="1"/>
+            </p:cNvPicPr>
+            <p:nvPr/>
+          </p:nvPicPr>
+          <p:blipFill>
+            <a:blip r:embed="rId8">
+              <a:extLst>
+                <a:ext uri="{28A0092B-C50C-407E-A947-70E740481C1C}">
+                  <a14:useLocalDpi xmlns:a14="http://schemas.microsoft.com/office/drawing/2010/main" val="0"/>
+                </a:ext>
+                <a:ext uri="{96DAC541-7B7A-43D3-8B79-37D633B846F1}">
+                  <asvg:svgBlip xmlns:asvg="http://schemas.microsoft.com/office/drawing/2016/SVG/main" r:embed="rId9"/>
+                </a:ext>
+              </a:extLst>
+            </a:blip>
+            <a:stretch>
+              <a:fillRect/>
+            </a:stretch>
+          </p:blipFill>
+          <p:spPr>
+            <a:xfrm>
+              <a:off x="7938829" y="3714772"/>
+              <a:ext cx="3549184" cy="1950234"/>
+            </a:xfrm>
+            <a:prstGeom prst="rect">
+              <a:avLst/>
+            </a:prstGeom>
+          </p:spPr>
+        </p:pic>
+      </p:grpSp>
+    </p:spTree>
+    <p:extLst>
+      <p:ext uri="{BB962C8B-B14F-4D97-AF65-F5344CB8AC3E}">
+        <p14:creationId xmlns:p14="http://schemas.microsoft.com/office/powerpoint/2010/main" val="3689127531"/>
       </p:ext>
     </p:extLst>
   </p:cSld>
